--- a/Varie/NaTour21Presentazione.pptx
+++ b/Varie/NaTour21Presentazione.pptx
@@ -5317,6 +5317,106 @@
           </a:prstGeom>
         </p:spPr>
       </p:pic>
+      <p:sp>
+        <p:nvSpPr>
+          <p:cNvPr id="2" name="Rettangolo 1">
+            <a:extLst>
+              <a:ext uri="{FF2B5EF4-FFF2-40B4-BE49-F238E27FC236}">
+                <a16:creationId xmlns:a16="http://schemas.microsoft.com/office/drawing/2014/main" id="{B62CA530-588E-41CA-8959-4F2EBED352F6}"/>
+              </a:ext>
+            </a:extLst>
+          </p:cNvPr>
+          <p:cNvSpPr/>
+          <p:nvPr/>
+        </p:nvSpPr>
+        <p:spPr>
+          <a:xfrm>
+            <a:off x="3101750" y="28575"/>
+            <a:ext cx="5988499" cy="923330"/>
+          </a:xfrm>
+          <a:prstGeom prst="rect">
+            <a:avLst/>
+          </a:prstGeom>
+          <a:noFill/>
+        </p:spPr>
+        <p:txBody>
+          <a:bodyPr wrap="none" lIns="91440" tIns="45720" rIns="91440" bIns="45720">
+            <a:spAutoFit/>
+          </a:bodyPr>
+          <a:lstStyle/>
+          <a:p>
+            <a:pPr algn="ctr"/>
+            <a:r>
+              <a:rPr lang="it-IT" sz="5400" b="0" cap="none" spc="0" dirty="0">
+                <a:ln w="0"/>
+                <a:solidFill>
+                  <a:schemeClr val="bg1"/>
+                </a:solidFill>
+                <a:effectLst>
+                  <a:outerShdw blurRad="38100" dist="19050" dir="2700000" algn="tl" rotWithShape="0">
+                    <a:schemeClr val="dk1">
+                      <a:alpha val="40000"/>
+                    </a:schemeClr>
+                  </a:outerShdw>
+                </a:effectLst>
+                <a:latin typeface="Verdana" panose="020B0604030504040204" pitchFamily="34" charset="0"/>
+                <a:ea typeface="Verdana" panose="020B0604030504040204" pitchFamily="34" charset="0"/>
+              </a:rPr>
+              <a:t>Cos’è NaTour21?</a:t>
+            </a:r>
+          </a:p>
+        </p:txBody>
+      </p:sp>
+      <p:sp>
+        <p:nvSpPr>
+          <p:cNvPr id="30" name="Rettangolo 29">
+            <a:extLst>
+              <a:ext uri="{FF2B5EF4-FFF2-40B4-BE49-F238E27FC236}">
+                <a16:creationId xmlns:a16="http://schemas.microsoft.com/office/drawing/2014/main" id="{E75ED25A-B47D-4527-8497-FDFCDDD99EB0}"/>
+              </a:ext>
+            </a:extLst>
+          </p:cNvPr>
+          <p:cNvSpPr/>
+          <p:nvPr/>
+        </p:nvSpPr>
+        <p:spPr>
+          <a:xfrm>
+            <a:off x="1658077" y="1514547"/>
+            <a:ext cx="5246629" cy="400110"/>
+          </a:xfrm>
+          <a:prstGeom prst="rect">
+            <a:avLst/>
+          </a:prstGeom>
+          <a:noFill/>
+        </p:spPr>
+        <p:txBody>
+          <a:bodyPr wrap="none" lIns="91440" tIns="45720" rIns="91440" bIns="45720">
+            <a:spAutoFit/>
+          </a:bodyPr>
+          <a:lstStyle/>
+          <a:p>
+            <a:pPr algn="ctr"/>
+            <a:r>
+              <a:rPr lang="it-IT" sz="2000" b="0" cap="none" spc="0" dirty="0">
+                <a:ln w="0"/>
+                <a:solidFill>
+                  <a:schemeClr val="bg1"/>
+                </a:solidFill>
+                <a:effectLst>
+                  <a:outerShdw blurRad="38100" dist="19050" dir="2700000" algn="tl" rotWithShape="0">
+                    <a:schemeClr val="dk1">
+                      <a:alpha val="40000"/>
+                    </a:schemeClr>
+                  </a:outerShdw>
+                </a:effectLst>
+                <a:latin typeface="Montserrat" panose="00000500000000000000" pitchFamily="2" charset="0"/>
+                <a:ea typeface="Verdana" panose="020B0604030504040204" pitchFamily="34" charset="0"/>
+              </a:rPr>
+              <a:t>NaTour21 è una bellissima applicazione</a:t>
+            </a:r>
+          </a:p>
+        </p:txBody>
+      </p:sp>
     </p:spTree>
     <p:extLst>
       <p:ext uri="{BB962C8B-B14F-4D97-AF65-F5344CB8AC3E}">
